--- a/JS core/JavaScript Advanced/05.Lab Object Composition/Object-Composition.pptx
+++ b/JS core/JavaScript Advanced/05.Lab Object Composition/Object-Composition.pptx
@@ -5,10 +5,10 @@
     <p:sldMasterId id="2147483660" r:id="rId2"/>
   </p:sldMasterIdLst>
   <p:notesMasterIdLst>
-    <p:notesMasterId r:id="rId43"/>
+    <p:notesMasterId r:id="rId39"/>
   </p:notesMasterIdLst>
   <p:handoutMasterIdLst>
-    <p:handoutMasterId r:id="rId44"/>
+    <p:handoutMasterId r:id="rId40"/>
   </p:handoutMasterIdLst>
   <p:sldIdLst>
     <p:sldId id="501" r:id="rId3"/>
@@ -46,11 +46,7 @@
     <p:sldId id="537" r:id="rId35"/>
     <p:sldId id="538" r:id="rId36"/>
     <p:sldId id="539" r:id="rId37"/>
-    <p:sldId id="540" r:id="rId38"/>
-    <p:sldId id="541" r:id="rId39"/>
-    <p:sldId id="442" r:id="rId40"/>
-    <p:sldId id="352" r:id="rId41"/>
-    <p:sldId id="393" r:id="rId42"/>
+    <p:sldId id="541" r:id="rId38"/>
   </p:sldIdLst>
   <p:sldSz cx="12188825" cy="6858000"/>
   <p:notesSz cx="6858000" cy="9144000"/>
@@ -212,11 +208,7 @@
         </p14:section>
         <p14:section name="Conclusion" id="{CB074CC9-2254-48B8-A34D-AEC2D3EB239A}">
           <p14:sldIdLst>
-            <p14:sldId id="540"/>
             <p14:sldId id="541"/>
-            <p14:sldId id="442"/>
-            <p14:sldId id="352"/>
-            <p14:sldId id="393"/>
           </p14:sldIdLst>
         </p14:section>
       </p14:sectionLst>
@@ -1435,449 +1427,6 @@
 </p:notes>
 </file>
 
-<file path=ppt/notesSlides/notesSlide6.xml><?xml version="1.0" encoding="utf-8"?>
-<p:notes xmlns:a="http://schemas.openxmlformats.org/drawingml/2006/main" xmlns:r="http://schemas.openxmlformats.org/officeDocument/2006/relationships" xmlns:p="http://schemas.openxmlformats.org/presentationml/2006/main">
-  <p:cSld>
-    <p:spTree>
-      <p:nvGrpSpPr>
-        <p:cNvPr id="1" name=""/>
-        <p:cNvGrpSpPr/>
-        <p:nvPr/>
-      </p:nvGrpSpPr>
-      <p:grpSpPr>
-        <a:xfrm>
-          <a:off x="0" y="0"/>
-          <a:ext cx="0" cy="0"/>
-          <a:chOff x="0" y="0"/>
-          <a:chExt cx="0" cy="0"/>
-        </a:xfrm>
-      </p:grpSpPr>
-      <p:sp>
-        <p:nvSpPr>
-          <p:cNvPr id="2" name="Slide Image Placeholder 1"/>
-          <p:cNvSpPr>
-            <a:spLocks noGrp="1" noRot="1" noChangeAspect="1"/>
-          </p:cNvSpPr>
-          <p:nvPr>
-            <p:ph type="sldImg"/>
-          </p:nvPr>
-        </p:nvSpPr>
-        <p:spPr/>
-      </p:sp>
-      <p:sp>
-        <p:nvSpPr>
-          <p:cNvPr id="3" name="Notes Placeholder 2"/>
-          <p:cNvSpPr>
-            <a:spLocks noGrp="1"/>
-          </p:cNvSpPr>
-          <p:nvPr>
-            <p:ph type="body" idx="1"/>
-          </p:nvPr>
-        </p:nvSpPr>
-        <p:spPr/>
-        <p:txBody>
-          <a:bodyPr/>
-          <a:lstStyle/>
-          <a:p>
-            <a:endParaRPr lang="en-US"/>
-          </a:p>
-        </p:txBody>
-      </p:sp>
-      <p:sp>
-        <p:nvSpPr>
-          <p:cNvPr id="4" name="Footer Placeholder 3"/>
-          <p:cNvSpPr>
-            <a:spLocks noGrp="1"/>
-          </p:cNvSpPr>
-          <p:nvPr>
-            <p:ph type="ftr" sz="quarter" idx="10"/>
-          </p:nvPr>
-        </p:nvSpPr>
-        <p:spPr/>
-        <p:txBody>
-          <a:bodyPr/>
-          <a:lstStyle/>
-          <a:p>
-            <a:r>
-              <a:rPr lang="en-US" sz="1000">
-                <a:solidFill>
-                  <a:prstClr val="black"/>
-                </a:solidFill>
-              </a:rPr>
-              <a:t>© Software University Foundation – </a:t>
-            </a:r>
-            <a:r>
-              <a:rPr lang="en-US" sz="1000" u="sng">
-                <a:solidFill>
-                  <a:prstClr val="black"/>
-                </a:solidFill>
-                <a:hlinkClick r:id="rId3"/>
-              </a:rPr>
-              <a:t>http://softuni.org</a:t>
-            </a:r>
-            <a:endParaRPr lang="en-US" sz="1000">
-              <a:solidFill>
-                <a:prstClr val="black"/>
-              </a:solidFill>
-            </a:endParaRPr>
-          </a:p>
-          <a:p>
-            <a:r>
-              <a:rPr lang="en-US" sz="1000">
-                <a:solidFill>
-                  <a:prstClr val="black"/>
-                </a:solidFill>
-              </a:rPr>
-              <a:t>This work is licensed under the </a:t>
-            </a:r>
-            <a:r>
-              <a:rPr lang="en-US" sz="1000" u="sng" noProof="1">
-                <a:solidFill>
-                  <a:prstClr val="black"/>
-                </a:solidFill>
-                <a:hlinkClick r:id="rId4"/>
-              </a:rPr>
-              <a:t>Creative Commons Attribution-NonCommercial-ShareAlike</a:t>
-            </a:r>
-            <a:r>
-              <a:rPr lang="en-US" sz="1000" noProof="1">
-                <a:solidFill>
-                  <a:prstClr val="black"/>
-                </a:solidFill>
-              </a:rPr>
-              <a:t> </a:t>
-            </a:r>
-            <a:r>
-              <a:rPr lang="en-US" sz="1000">
-                <a:solidFill>
-                  <a:prstClr val="black"/>
-                </a:solidFill>
-              </a:rPr>
-              <a:t>license.</a:t>
-            </a:r>
-            <a:endParaRPr lang="en-US" sz="1000" dirty="0">
-              <a:solidFill>
-                <a:prstClr val="black"/>
-              </a:solidFill>
-            </a:endParaRPr>
-          </a:p>
-        </p:txBody>
-      </p:sp>
-      <p:sp>
-        <p:nvSpPr>
-          <p:cNvPr id="5" name="Slide Number Placeholder 4"/>
-          <p:cNvSpPr>
-            <a:spLocks noGrp="1"/>
-          </p:cNvSpPr>
-          <p:nvPr>
-            <p:ph type="sldNum" sz="quarter" idx="11"/>
-          </p:nvPr>
-        </p:nvSpPr>
-        <p:spPr/>
-        <p:txBody>
-          <a:bodyPr/>
-          <a:lstStyle/>
-          <a:p>
-            <a:fld id="{3EBA5BD7-F043-4D1B-AA17-CD412FC534DE}" type="slidenum">
-              <a:rPr lang="en-US" smtClean="0">
-                <a:solidFill>
-                  <a:prstClr val="black"/>
-                </a:solidFill>
-              </a:rPr>
-              <a:pPr/>
-              <a:t>38</a:t>
-            </a:fld>
-            <a:endParaRPr lang="en-US" dirty="0">
-              <a:solidFill>
-                <a:prstClr val="black"/>
-              </a:solidFill>
-            </a:endParaRPr>
-          </a:p>
-        </p:txBody>
-      </p:sp>
-    </p:spTree>
-    <p:extLst>
-      <p:ext uri="{BB962C8B-B14F-4D97-AF65-F5344CB8AC3E}">
-        <p14:creationId xmlns:p14="http://schemas.microsoft.com/office/powerpoint/2010/main" val="2129277021"/>
-      </p:ext>
-    </p:extLst>
-  </p:cSld>
-  <p:clrMapOvr>
-    <a:masterClrMapping/>
-  </p:clrMapOvr>
-</p:notes>
-</file>
-
-<file path=ppt/notesSlides/notesSlide7.xml><?xml version="1.0" encoding="utf-8"?>
-<p:notes xmlns:a="http://schemas.openxmlformats.org/drawingml/2006/main" xmlns:r="http://schemas.openxmlformats.org/officeDocument/2006/relationships" xmlns:p="http://schemas.openxmlformats.org/presentationml/2006/main">
-  <p:cSld>
-    <p:spTree>
-      <p:nvGrpSpPr>
-        <p:cNvPr id="1" name=""/>
-        <p:cNvGrpSpPr/>
-        <p:nvPr/>
-      </p:nvGrpSpPr>
-      <p:grpSpPr>
-        <a:xfrm>
-          <a:off x="0" y="0"/>
-          <a:ext cx="0" cy="0"/>
-          <a:chOff x="0" y="0"/>
-          <a:chExt cx="0" cy="0"/>
-        </a:xfrm>
-      </p:grpSpPr>
-      <p:sp>
-        <p:nvSpPr>
-          <p:cNvPr id="2" name="Slide Image Placeholder 1"/>
-          <p:cNvSpPr>
-            <a:spLocks noGrp="1" noRot="1" noChangeAspect="1"/>
-          </p:cNvSpPr>
-          <p:nvPr>
-            <p:ph type="sldImg"/>
-          </p:nvPr>
-        </p:nvSpPr>
-        <p:spPr/>
-      </p:sp>
-      <p:sp>
-        <p:nvSpPr>
-          <p:cNvPr id="3" name="Notes Placeholder 2"/>
-          <p:cNvSpPr>
-            <a:spLocks noGrp="1"/>
-          </p:cNvSpPr>
-          <p:nvPr>
-            <p:ph type="body" idx="1"/>
-          </p:nvPr>
-        </p:nvSpPr>
-        <p:spPr/>
-        <p:txBody>
-          <a:bodyPr/>
-          <a:lstStyle/>
-          <a:p>
-            <a:endParaRPr lang="en-US"/>
-          </a:p>
-        </p:txBody>
-      </p:sp>
-      <p:sp>
-        <p:nvSpPr>
-          <p:cNvPr id="4" name="Footer Placeholder 3"/>
-          <p:cNvSpPr>
-            <a:spLocks noGrp="1"/>
-          </p:cNvSpPr>
-          <p:nvPr>
-            <p:ph type="ftr" sz="quarter" idx="10"/>
-          </p:nvPr>
-        </p:nvSpPr>
-        <p:spPr/>
-        <p:txBody>
-          <a:bodyPr/>
-          <a:lstStyle/>
-          <a:p>
-            <a:r>
-              <a:rPr lang="en-US" sz="1000"/>
-              <a:t>© Software University Foundation – </a:t>
-            </a:r>
-            <a:r>
-              <a:rPr lang="en-US" sz="1000" u="sng">
-                <a:hlinkClick r:id="rId3"/>
-              </a:rPr>
-              <a:t>http://softuni.org</a:t>
-            </a:r>
-            <a:endParaRPr lang="en-US" sz="1000"/>
-          </a:p>
-          <a:p>
-            <a:r>
-              <a:rPr lang="en-US" sz="1000"/>
-              <a:t>This work is licensed under the </a:t>
-            </a:r>
-            <a:r>
-              <a:rPr lang="en-US" sz="1000" u="sng" noProof="1">
-                <a:hlinkClick r:id="rId4"/>
-              </a:rPr>
-              <a:t>Creative Commons Attribution-NonCommercial-ShareAlike</a:t>
-            </a:r>
-            <a:r>
-              <a:rPr lang="en-US" sz="1000" noProof="1"/>
-              <a:t> </a:t>
-            </a:r>
-            <a:r>
-              <a:rPr lang="en-US" sz="1000"/>
-              <a:t>license.</a:t>
-            </a:r>
-            <a:endParaRPr lang="en-US" sz="1000" dirty="0"/>
-          </a:p>
-        </p:txBody>
-      </p:sp>
-      <p:sp>
-        <p:nvSpPr>
-          <p:cNvPr id="5" name="Slide Number Placeholder 4"/>
-          <p:cNvSpPr>
-            <a:spLocks noGrp="1"/>
-          </p:cNvSpPr>
-          <p:nvPr>
-            <p:ph type="sldNum" sz="quarter" idx="11"/>
-          </p:nvPr>
-        </p:nvSpPr>
-        <p:spPr/>
-        <p:txBody>
-          <a:bodyPr/>
-          <a:lstStyle/>
-          <a:p>
-            <a:fld id="{3EBA5BD7-F043-4D1B-AA17-CD412FC534DE}" type="slidenum">
-              <a:rPr lang="en-US" smtClean="0"/>
-              <a:pPr/>
-              <a:t>39</a:t>
-            </a:fld>
-            <a:endParaRPr lang="en-US" dirty="0"/>
-          </a:p>
-        </p:txBody>
-      </p:sp>
-    </p:spTree>
-    <p:extLst>
-      <p:ext uri="{BB962C8B-B14F-4D97-AF65-F5344CB8AC3E}">
-        <p14:creationId xmlns:p14="http://schemas.microsoft.com/office/powerpoint/2010/main" val="2968412272"/>
-      </p:ext>
-    </p:extLst>
-  </p:cSld>
-  <p:clrMapOvr>
-    <a:masterClrMapping/>
-  </p:clrMapOvr>
-</p:notes>
-</file>
-
-<file path=ppt/notesSlides/notesSlide8.xml><?xml version="1.0" encoding="utf-8"?>
-<p:notes xmlns:a="http://schemas.openxmlformats.org/drawingml/2006/main" xmlns:r="http://schemas.openxmlformats.org/officeDocument/2006/relationships" xmlns:p="http://schemas.openxmlformats.org/presentationml/2006/main">
-  <p:cSld>
-    <p:spTree>
-      <p:nvGrpSpPr>
-        <p:cNvPr id="1" name=""/>
-        <p:cNvGrpSpPr/>
-        <p:nvPr/>
-      </p:nvGrpSpPr>
-      <p:grpSpPr>
-        <a:xfrm>
-          <a:off x="0" y="0"/>
-          <a:ext cx="0" cy="0"/>
-          <a:chOff x="0" y="0"/>
-          <a:chExt cx="0" cy="0"/>
-        </a:xfrm>
-      </p:grpSpPr>
-      <p:sp>
-        <p:nvSpPr>
-          <p:cNvPr id="2" name="Slide Image Placeholder 1"/>
-          <p:cNvSpPr>
-            <a:spLocks noGrp="1" noRot="1" noChangeAspect="1"/>
-          </p:cNvSpPr>
-          <p:nvPr>
-            <p:ph type="sldImg"/>
-          </p:nvPr>
-        </p:nvSpPr>
-        <p:spPr/>
-      </p:sp>
-      <p:sp>
-        <p:nvSpPr>
-          <p:cNvPr id="3" name="Notes Placeholder 2"/>
-          <p:cNvSpPr>
-            <a:spLocks noGrp="1"/>
-          </p:cNvSpPr>
-          <p:nvPr>
-            <p:ph type="body" idx="1"/>
-          </p:nvPr>
-        </p:nvSpPr>
-        <p:spPr/>
-        <p:txBody>
-          <a:bodyPr/>
-          <a:lstStyle/>
-          <a:p>
-            <a:endParaRPr lang="en-US"/>
-          </a:p>
-        </p:txBody>
-      </p:sp>
-      <p:sp>
-        <p:nvSpPr>
-          <p:cNvPr id="4" name="Footer Placeholder 3"/>
-          <p:cNvSpPr>
-            <a:spLocks noGrp="1"/>
-          </p:cNvSpPr>
-          <p:nvPr>
-            <p:ph type="ftr" sz="quarter" idx="10"/>
-          </p:nvPr>
-        </p:nvSpPr>
-        <p:spPr/>
-        <p:txBody>
-          <a:bodyPr/>
-          <a:lstStyle/>
-          <a:p>
-            <a:r>
-              <a:rPr lang="en-US" sz="1000"/>
-              <a:t>© Software University Foundation – </a:t>
-            </a:r>
-            <a:r>
-              <a:rPr lang="en-US" sz="1000" u="sng">
-                <a:hlinkClick r:id="rId3"/>
-              </a:rPr>
-              <a:t>http://softuni.org</a:t>
-            </a:r>
-            <a:endParaRPr lang="en-US" sz="1000"/>
-          </a:p>
-          <a:p>
-            <a:r>
-              <a:rPr lang="en-US" sz="1000"/>
-              <a:t>This work is licensed under the </a:t>
-            </a:r>
-            <a:r>
-              <a:rPr lang="en-US" sz="1000" u="sng" noProof="1">
-                <a:hlinkClick r:id="rId4"/>
-              </a:rPr>
-              <a:t>Creative Commons Attribution-NonCommercial-ShareAlike</a:t>
-            </a:r>
-            <a:r>
-              <a:rPr lang="en-US" sz="1000" noProof="1"/>
-              <a:t> </a:t>
-            </a:r>
-            <a:r>
-              <a:rPr lang="en-US" sz="1000"/>
-              <a:t>license.</a:t>
-            </a:r>
-            <a:endParaRPr lang="en-US" sz="1000" dirty="0"/>
-          </a:p>
-        </p:txBody>
-      </p:sp>
-      <p:sp>
-        <p:nvSpPr>
-          <p:cNvPr id="5" name="Slide Number Placeholder 4"/>
-          <p:cNvSpPr>
-            <a:spLocks noGrp="1"/>
-          </p:cNvSpPr>
-          <p:nvPr>
-            <p:ph type="sldNum" sz="quarter" idx="11"/>
-          </p:nvPr>
-        </p:nvSpPr>
-        <p:spPr/>
-        <p:txBody>
-          <a:bodyPr/>
-          <a:lstStyle/>
-          <a:p>
-            <a:fld id="{3EBA5BD7-F043-4D1B-AA17-CD412FC534DE}" type="slidenum">
-              <a:rPr lang="en-US" smtClean="0"/>
-              <a:pPr/>
-              <a:t>40</a:t>
-            </a:fld>
-            <a:endParaRPr lang="en-US" dirty="0"/>
-          </a:p>
-        </p:txBody>
-      </p:sp>
-    </p:spTree>
-    <p:extLst>
-      <p:ext uri="{BB962C8B-B14F-4D97-AF65-F5344CB8AC3E}">
-        <p14:creationId xmlns:p14="http://schemas.microsoft.com/office/powerpoint/2010/main" val="3762762049"/>
-      </p:ext>
-    </p:extLst>
-  </p:cSld>
-  <p:clrMapOvr>
-    <a:masterClrMapping/>
-  </p:clrMapOvr>
-</p:notes>
-</file>
-
 <file path=ppt/slideLayouts/slideLayout1.xml><?xml version="1.0" encoding="utf-8"?>
 <p:sldLayout xmlns:a="http://schemas.openxmlformats.org/drawingml/2006/main" xmlns:r="http://schemas.openxmlformats.org/officeDocument/2006/relationships" xmlns:p="http://schemas.openxmlformats.org/presentationml/2006/main" preserve="1" userDrawn="1">
   <p:cSld name="Presentation Title Slide">
@@ -2973,579 +2522,13 @@
 </p:sldLayout>
 </file>
 
-<file path=ppt/slideLayouts/slideLayout5.xml><?xml version="1.0" encoding="utf-8"?>
-<p:sldLayout xmlns:a="http://schemas.openxmlformats.org/drawingml/2006/main" xmlns:r="http://schemas.openxmlformats.org/officeDocument/2006/relationships" xmlns:p="http://schemas.openxmlformats.org/presentationml/2006/main" userDrawn="1">
-  <p:cSld name="Questions Slide">
-    <p:bg>
-      <p:bgPr>
-        <a:blipFill dpi="0" rotWithShape="1">
-          <a:blip r:embed="rId2" cstate="print">
-            <a:lum/>
-            <a:extLst>
-              <a:ext uri="{28A0092B-C50C-407E-A947-70E740481C1C}">
-                <a14:useLocalDpi xmlns:a14="http://schemas.microsoft.com/office/drawing/2010/main" val="0"/>
-              </a:ext>
-            </a:extLst>
-          </a:blip>
-          <a:srcRect/>
-          <a:stretch>
-            <a:fillRect/>
-          </a:stretch>
-        </a:blipFill>
-        <a:effectLst/>
-      </p:bgPr>
-    </p:bg>
-    <p:spTree>
-      <p:nvGrpSpPr>
-        <p:cNvPr id="1" name=""/>
-        <p:cNvGrpSpPr/>
-        <p:nvPr/>
-      </p:nvGrpSpPr>
-      <p:grpSpPr>
-        <a:xfrm>
-          <a:off x="0" y="0"/>
-          <a:ext cx="0" cy="0"/>
-          <a:chOff x="0" y="0"/>
-          <a:chExt cx="0" cy="0"/>
-        </a:xfrm>
-      </p:grpSpPr>
-      <p:sp>
-        <p:nvSpPr>
-          <p:cNvPr id="29" name="Text Placeholder 29"/>
-          <p:cNvSpPr>
-            <a:spLocks noGrp="1"/>
-          </p:cNvSpPr>
-          <p:nvPr>
-            <p:ph type="body" sz="quarter" idx="10" hasCustomPrompt="1"/>
-          </p:nvPr>
-        </p:nvSpPr>
-        <p:spPr>
-          <a:xfrm>
-            <a:off x="1529384" y="6400802"/>
-            <a:ext cx="10482604" cy="363552"/>
-          </a:xfrm>
-          <a:prstGeom prst="rect">
-            <a:avLst/>
-          </a:prstGeom>
-        </p:spPr>
-        <p:txBody>
-          <a:bodyPr wrap="square" lIns="36000" rIns="36000">
-            <a:spAutoFit/>
-          </a:bodyPr>
-          <a:lstStyle>
-            <a:lvl1pPr marL="0" indent="0" algn="r">
-              <a:buNone/>
-              <a:defRPr sz="1800">
-                <a:latin typeface="+mn-lt"/>
-              </a:defRPr>
-            </a:lvl1pPr>
-          </a:lstStyle>
-          <a:p>
-            <a:pPr lvl="0"/>
-            <a:r>
-              <a:rPr lang="en-US" dirty="0"/>
-              <a:t>Course Web Site</a:t>
-            </a:r>
-          </a:p>
-        </p:txBody>
-      </p:sp>
-      <p:pic>
-        <p:nvPicPr>
-          <p:cNvPr id="55" name="Picture 54"/>
-          <p:cNvPicPr>
-            <a:picLocks noChangeAspect="1"/>
-          </p:cNvPicPr>
-          <p:nvPr userDrawn="1"/>
-        </p:nvPicPr>
-        <p:blipFill>
-          <a:blip r:embed="rId3" cstate="print">
-            <a:extLst>
-              <a:ext uri="{28A0092B-C50C-407E-A947-70E740481C1C}">
-                <a14:useLocalDpi xmlns:a14="http://schemas.microsoft.com/office/drawing/2010/main" val="0"/>
-              </a:ext>
-            </a:extLst>
-          </a:blip>
-          <a:stretch>
-            <a:fillRect/>
-          </a:stretch>
-        </p:blipFill>
-        <p:spPr>
-          <a:xfrm>
-            <a:off x="9838412" y="261000"/>
-            <a:ext cx="2050131" cy="670675"/>
-          </a:xfrm>
-          <a:prstGeom prst="rect">
-            <a:avLst/>
-          </a:prstGeom>
-        </p:spPr>
-      </p:pic>
-      <p:sp>
-        <p:nvSpPr>
-          <p:cNvPr id="50" name="Title 1"/>
-          <p:cNvSpPr>
-            <a:spLocks noGrp="1"/>
-          </p:cNvSpPr>
-          <p:nvPr>
-            <p:ph type="title" hasCustomPrompt="1"/>
-          </p:nvPr>
-        </p:nvSpPr>
-        <p:spPr>
-          <a:xfrm>
-            <a:off x="188815" y="40341"/>
-            <a:ext cx="9577597" cy="1110780"/>
-          </a:xfrm>
-        </p:spPr>
-        <p:txBody>
-          <a:bodyPr/>
-          <a:lstStyle>
-            <a:lvl1pPr>
-              <a:defRPr>
-                <a:solidFill>
-                  <a:srgbClr val="F3BE60"/>
-                </a:solidFill>
-                <a:effectLst/>
-              </a:defRPr>
-            </a:lvl1pPr>
-          </a:lstStyle>
-          <a:p>
-            <a:r>
-              <a:rPr lang="en-US" dirty="0"/>
-              <a:t>Presentation Title</a:t>
-            </a:r>
-            <a:endParaRPr dirty="0"/>
-          </a:p>
-        </p:txBody>
-      </p:sp>
-      <p:sp>
-        <p:nvSpPr>
-          <p:cNvPr id="2" name="TextBox 1">
-            <a:hlinkClick r:id="rId4" tooltip="Software University - Quality Education, Profession and Job for Software Engineers"/>
-          </p:cNvPr>
-          <p:cNvSpPr txBox="1"/>
-          <p:nvPr userDrawn="1"/>
-        </p:nvSpPr>
-        <p:spPr>
-          <a:xfrm rot="322982">
-            <a:off x="10066442" y="2253546"/>
-            <a:ext cx="303288" cy="400110"/>
-          </a:xfrm>
-          <a:prstGeom prst="rect">
-            <a:avLst/>
-          </a:prstGeom>
-          <a:noFill/>
-        </p:spPr>
-        <p:txBody>
-          <a:bodyPr wrap="none" rtlCol="0">
-            <a:spAutoFit/>
-          </a:bodyPr>
-          <a:lstStyle/>
-          <a:p>
-            <a:r>
-              <a:rPr lang="en-US" sz="2000" b="1" dirty="0">
-                <a:solidFill>
-                  <a:srgbClr val="603A14"/>
-                </a:solidFill>
-              </a:rPr>
-              <a:t>?</a:t>
-            </a:r>
-          </a:p>
-        </p:txBody>
-      </p:sp>
-      <p:sp>
-        <p:nvSpPr>
-          <p:cNvPr id="27" name="TextBox 26">
-            <a:hlinkClick r:id="rId5" tooltip="Software University Foundaton"/>
-          </p:cNvPr>
-          <p:cNvSpPr txBox="1"/>
-          <p:nvPr userDrawn="1"/>
-        </p:nvSpPr>
-        <p:spPr>
-          <a:xfrm rot="20630519">
-            <a:off x="7568290" y="4341197"/>
-            <a:ext cx="303288" cy="400110"/>
-          </a:xfrm>
-          <a:prstGeom prst="rect">
-            <a:avLst/>
-          </a:prstGeom>
-          <a:noFill/>
-        </p:spPr>
-        <p:txBody>
-          <a:bodyPr wrap="none" rtlCol="0">
-            <a:spAutoFit/>
-          </a:bodyPr>
-          <a:lstStyle/>
-          <a:p>
-            <a:r>
-              <a:rPr lang="en-US" sz="2000" b="1" dirty="0">
-                <a:solidFill>
-                  <a:srgbClr val="603A14"/>
-                </a:solidFill>
-              </a:rPr>
-              <a:t>?</a:t>
-            </a:r>
-          </a:p>
-        </p:txBody>
-      </p:sp>
-      <p:sp>
-        <p:nvSpPr>
-          <p:cNvPr id="51" name="TextBox 50">
-            <a:hlinkClick r:id="rId6" tooltip="Svetlin Nakov - Programming and Education for Developers"/>
-          </p:cNvPr>
-          <p:cNvSpPr txBox="1"/>
-          <p:nvPr userDrawn="1"/>
-        </p:nvSpPr>
-        <p:spPr>
-          <a:xfrm>
-            <a:off x="11500162" y="4679637"/>
-            <a:ext cx="255198" cy="276999"/>
-          </a:xfrm>
-          <a:prstGeom prst="rect">
-            <a:avLst/>
-          </a:prstGeom>
-          <a:noFill/>
-        </p:spPr>
-        <p:txBody>
-          <a:bodyPr wrap="none" rtlCol="0">
-            <a:spAutoFit/>
-          </a:bodyPr>
-          <a:lstStyle/>
-          <a:p>
-            <a:r>
-              <a:rPr lang="en-US" sz="1200" dirty="0">
-                <a:solidFill>
-                  <a:srgbClr val="603A14"/>
-                </a:solidFill>
-              </a:rPr>
-              <a:t>?</a:t>
-            </a:r>
-          </a:p>
-        </p:txBody>
-      </p:sp>
-      <p:sp>
-        <p:nvSpPr>
-          <p:cNvPr id="52" name="TextBox 51">
-            <a:hlinkClick r:id="rId7" tooltip="Software University - Discussion Forum"/>
-          </p:cNvPr>
-          <p:cNvSpPr txBox="1"/>
-          <p:nvPr userDrawn="1"/>
-        </p:nvSpPr>
-        <p:spPr>
-          <a:xfrm rot="20971262">
-            <a:off x="6094412" y="6109081"/>
-            <a:ext cx="268022" cy="307777"/>
-          </a:xfrm>
-          <a:prstGeom prst="rect">
-            <a:avLst/>
-          </a:prstGeom>
-          <a:noFill/>
-        </p:spPr>
-        <p:txBody>
-          <a:bodyPr wrap="none" rtlCol="0">
-            <a:spAutoFit/>
-          </a:bodyPr>
-          <a:lstStyle/>
-          <a:p>
-            <a:r>
-              <a:rPr lang="en-US" sz="1400" dirty="0">
-                <a:solidFill>
-                  <a:srgbClr val="603A14"/>
-                </a:solidFill>
-              </a:rPr>
-              <a:t>?</a:t>
-            </a:r>
-          </a:p>
-        </p:txBody>
-      </p:sp>
-      <p:sp>
-        <p:nvSpPr>
-          <p:cNvPr id="53" name="TextBox 52">
-            <a:hlinkClick r:id="rId8" tooltip="Software University - Online Judge System"/>
-          </p:cNvPr>
-          <p:cNvSpPr txBox="1"/>
-          <p:nvPr userDrawn="1"/>
-        </p:nvSpPr>
-        <p:spPr>
-          <a:xfrm rot="569019">
-            <a:off x="9155998" y="4032736"/>
-            <a:ext cx="292068" cy="369332"/>
-          </a:xfrm>
-          <a:prstGeom prst="rect">
-            <a:avLst/>
-          </a:prstGeom>
-          <a:noFill/>
-        </p:spPr>
-        <p:txBody>
-          <a:bodyPr wrap="none" rtlCol="0">
-            <a:spAutoFit/>
-          </a:bodyPr>
-          <a:lstStyle/>
-          <a:p>
-            <a:r>
-              <a:rPr lang="en-US" sz="1800" b="1" dirty="0">
-                <a:solidFill>
-                  <a:srgbClr val="603A14"/>
-                </a:solidFill>
-              </a:rPr>
-              <a:t>?</a:t>
-            </a:r>
-          </a:p>
-        </p:txBody>
-      </p:sp>
-      <p:sp>
-        <p:nvSpPr>
-          <p:cNvPr id="54" name="TextBox 53">
-            <a:hlinkClick r:id="rId9" tooltip="Software University @ Facebook"/>
-          </p:cNvPr>
-          <p:cNvSpPr txBox="1"/>
-          <p:nvPr userDrawn="1"/>
-        </p:nvSpPr>
-        <p:spPr>
-          <a:xfrm rot="219682">
-            <a:off x="7047355" y="2560119"/>
-            <a:ext cx="327334" cy="461665"/>
-          </a:xfrm>
-          <a:prstGeom prst="rect">
-            <a:avLst/>
-          </a:prstGeom>
-          <a:noFill/>
-        </p:spPr>
-        <p:txBody>
-          <a:bodyPr wrap="none" rtlCol="0">
-            <a:spAutoFit/>
-          </a:bodyPr>
-          <a:lstStyle/>
-          <a:p>
-            <a:r>
-              <a:rPr lang="en-US" b="1" dirty="0">
-                <a:solidFill>
-                  <a:srgbClr val="603A14"/>
-                </a:solidFill>
-              </a:rPr>
-              <a:t>?</a:t>
-            </a:r>
-          </a:p>
-        </p:txBody>
-      </p:sp>
-      <p:sp>
-        <p:nvSpPr>
-          <p:cNvPr id="56" name="TextBox 55">
-            <a:hlinkClick r:id="rId10" tooltip="Software University @ Twitter"/>
-          </p:cNvPr>
-          <p:cNvSpPr txBox="1"/>
-          <p:nvPr userDrawn="1"/>
-        </p:nvSpPr>
-        <p:spPr>
-          <a:xfrm rot="20972266">
-            <a:off x="11754532" y="2320841"/>
-            <a:ext cx="268022" cy="307777"/>
-          </a:xfrm>
-          <a:prstGeom prst="rect">
-            <a:avLst/>
-          </a:prstGeom>
-          <a:noFill/>
-        </p:spPr>
-        <p:txBody>
-          <a:bodyPr wrap="none" rtlCol="0">
-            <a:spAutoFit/>
-          </a:bodyPr>
-          <a:lstStyle/>
-          <a:p>
-            <a:r>
-              <a:rPr lang="en-US" sz="1400" dirty="0">
-                <a:solidFill>
-                  <a:srgbClr val="603A14"/>
-                </a:solidFill>
-              </a:rPr>
-              <a:t>?</a:t>
-            </a:r>
-          </a:p>
-        </p:txBody>
-      </p:sp>
-      <p:sp>
-        <p:nvSpPr>
-          <p:cNvPr id="57" name="TextBox 56">
-            <a:hlinkClick r:id="rId11" tooltip="Software University @ YouTube - free training courses and video lessons for software engineers"/>
-          </p:cNvPr>
-          <p:cNvSpPr txBox="1"/>
-          <p:nvPr userDrawn="1"/>
-        </p:nvSpPr>
-        <p:spPr>
-          <a:xfrm rot="562174">
-            <a:off x="11774596" y="3447926"/>
-            <a:ext cx="255198" cy="276999"/>
-          </a:xfrm>
-          <a:prstGeom prst="rect">
-            <a:avLst/>
-          </a:prstGeom>
-          <a:noFill/>
-        </p:spPr>
-        <p:txBody>
-          <a:bodyPr wrap="none" rtlCol="0">
-            <a:spAutoFit/>
-          </a:bodyPr>
-          <a:lstStyle/>
-          <a:p>
-            <a:r>
-              <a:rPr lang="en-US" sz="1200" dirty="0">
-                <a:solidFill>
-                  <a:srgbClr val="603A14"/>
-                </a:solidFill>
-              </a:rPr>
-              <a:t>?</a:t>
-            </a:r>
-          </a:p>
-        </p:txBody>
-      </p:sp>
-      <p:sp>
-        <p:nvSpPr>
-          <p:cNvPr id="58" name="TextBox 57">
-            <a:hlinkClick r:id="rId12" tooltip="Programming Fundamentals Book and Vide Lessons: Learn C#, Programming, Data Structures, Algorithms and Quality Coding"/>
-          </p:cNvPr>
-          <p:cNvSpPr txBox="1"/>
-          <p:nvPr userDrawn="1"/>
-        </p:nvSpPr>
-        <p:spPr>
-          <a:xfrm rot="571210">
-            <a:off x="11136783" y="5625911"/>
-            <a:ext cx="268022" cy="307777"/>
-          </a:xfrm>
-          <a:prstGeom prst="rect">
-            <a:avLst/>
-          </a:prstGeom>
-          <a:noFill/>
-        </p:spPr>
-        <p:txBody>
-          <a:bodyPr wrap="none" rtlCol="0">
-            <a:spAutoFit/>
-          </a:bodyPr>
-          <a:lstStyle/>
-          <a:p>
-            <a:r>
-              <a:rPr lang="en-US" sz="1400" dirty="0">
-                <a:solidFill>
-                  <a:srgbClr val="603A14"/>
-                </a:solidFill>
-              </a:rPr>
-              <a:t>?</a:t>
-            </a:r>
-          </a:p>
-        </p:txBody>
-      </p:sp>
-      <p:pic>
-        <p:nvPicPr>
-          <p:cNvPr id="15" name="Picture 14"/>
-          <p:cNvPicPr>
-            <a:picLocks noChangeAspect="1"/>
-          </p:cNvPicPr>
-          <p:nvPr userDrawn="1"/>
-        </p:nvPicPr>
-        <p:blipFill>
-          <a:blip r:embed="rId13"/>
-          <a:stretch>
-            <a:fillRect/>
-          </a:stretch>
-        </p:blipFill>
-        <p:spPr>
-          <a:xfrm rot="20967714">
-            <a:off x="457076" y="2405125"/>
-            <a:ext cx="2338944" cy="2395502"/>
-          </a:xfrm>
-          <a:prstGeom prst="rect">
-            <a:avLst/>
-          </a:prstGeom>
-        </p:spPr>
-      </p:pic>
-      <p:sp>
-        <p:nvSpPr>
-          <p:cNvPr id="16" name="Rectangle 15"/>
-          <p:cNvSpPr/>
-          <p:nvPr userDrawn="1"/>
-        </p:nvSpPr>
-        <p:spPr>
-          <a:xfrm rot="20949717">
-            <a:off x="2718532" y="3306088"/>
-            <a:ext cx="4540980" cy="948072"/>
-          </a:xfrm>
-          <a:prstGeom prst="rect">
-            <a:avLst/>
-          </a:prstGeom>
-        </p:spPr>
-        <p:txBody>
-          <a:bodyPr wrap="none" lIns="0" tIns="0" rIns="0" bIns="0" anchor="ctr" anchorCtr="0">
-            <a:noAutofit/>
-            <a:scene3d>
-              <a:camera prst="orthographicFront"/>
-              <a:lightRig rig="soft" dir="t">
-                <a:rot lat="0" lon="0" rev="10800000"/>
-              </a:lightRig>
-            </a:scene3d>
-            <a:sp3d>
-              <a:bevelT w="27940" h="12700"/>
-              <a:contourClr>
-                <a:srgbClr val="DDDDDD"/>
-              </a:contourClr>
-            </a:sp3d>
-          </a:bodyPr>
-          <a:lstStyle/>
-          <a:p>
-            <a:pPr algn="ctr" eaLnBrk="0" hangingPunct="0">
-              <a:buClr>
-                <a:srgbClr val="A19574">
-                  <a:lumMod val="40000"/>
-                  <a:lumOff val="60000"/>
-                </a:srgbClr>
-              </a:buClr>
-              <a:buSzPct val="70000"/>
-              <a:buFont typeface="Wingdings 2" pitchFamily="18" charset="2"/>
-              <a:buNone/>
-            </a:pPr>
-            <a:r>
-              <a:rPr lang="en-US" sz="6600" b="1" dirty="0">
-                <a:solidFill>
-                  <a:srgbClr val="F3BE60"/>
-                </a:solidFill>
-              </a:rPr>
-              <a:t>Questions?</a:t>
-            </a:r>
-            <a:endParaRPr lang="en-US" sz="6600" b="1" spc="150" dirty="0">
-              <a:ln w="11430"/>
-              <a:solidFill>
-                <a:prstClr val="white">
-                  <a:lumMod val="40000"/>
-                  <a:lumOff val="60000"/>
-                </a:prstClr>
-              </a:solidFill>
-              <a:effectLst>
-                <a:outerShdw blurRad="25400" algn="tl" rotWithShape="0">
-                  <a:srgbClr val="000000">
-                    <a:alpha val="43000"/>
-                  </a:srgbClr>
-                </a:outerShdw>
-              </a:effectLst>
-            </a:endParaRPr>
-          </a:p>
-        </p:txBody>
-      </p:sp>
-    </p:spTree>
-    <p:extLst>
-      <p:ext uri="{BB962C8B-B14F-4D97-AF65-F5344CB8AC3E}">
-        <p14:creationId xmlns:p14="http://schemas.microsoft.com/office/powerpoint/2010/main" val="1618120371"/>
-      </p:ext>
-    </p:extLst>
-  </p:cSld>
-  <p:clrMapOvr>
-    <a:masterClrMapping/>
-  </p:clrMapOvr>
-</p:sldLayout>
-</file>
-
 <file path=ppt/slideMasters/slideMaster1.xml><?xml version="1.0" encoding="utf-8"?>
 <p:sldMaster xmlns:a="http://schemas.openxmlformats.org/drawingml/2006/main" xmlns:r="http://schemas.openxmlformats.org/officeDocument/2006/relationships" xmlns:p="http://schemas.openxmlformats.org/presentationml/2006/main">
   <p:cSld>
     <p:bg>
       <p:bgPr>
         <a:blipFill dpi="0" rotWithShape="1">
-          <a:blip r:embed="rId7">
+          <a:blip r:embed="rId6">
             <a:lum/>
           </a:blip>
           <a:srcRect/>
@@ -3799,7 +2782,6 @@
     <p:sldLayoutId id="2147483662" r:id="rId2"/>
     <p:sldLayoutId id="2147483663" r:id="rId3"/>
     <p:sldLayoutId id="2147483667" r:id="rId4"/>
-    <p:sldLayoutId id="2147483679" r:id="rId5"/>
   </p:sldLayoutIdLst>
   <p:hf hdr="0" ftr="0" dt="0"/>
   <p:txStyles>
@@ -38576,114 +37558,6 @@
       </p:grpSpPr>
       <p:sp>
         <p:nvSpPr>
-          <p:cNvPr id="2" name="Title 1"/>
-          <p:cNvSpPr>
-            <a:spLocks noGrp="1"/>
-          </p:cNvSpPr>
-          <p:nvPr>
-            <p:ph type="title"/>
-          </p:nvPr>
-        </p:nvSpPr>
-        <p:spPr>
-          <a:xfrm>
-            <a:off x="912813" y="4819278"/>
-            <a:ext cx="10363200" cy="820600"/>
-          </a:xfrm>
-        </p:spPr>
-        <p:txBody>
-          <a:bodyPr/>
-          <a:lstStyle/>
-          <a:p>
-            <a:r>
-              <a:rPr lang="en-US" dirty="0"/>
-              <a:t>Practice: Object Composition</a:t>
-            </a:r>
-          </a:p>
-        </p:txBody>
-      </p:sp>
-      <p:sp>
-        <p:nvSpPr>
-          <p:cNvPr id="6" name="Text Placeholder 5"/>
-          <p:cNvSpPr>
-            <a:spLocks noGrp="1"/>
-          </p:cNvSpPr>
-          <p:nvPr>
-            <p:ph type="body" idx="1"/>
-          </p:nvPr>
-        </p:nvSpPr>
-        <p:spPr>
-          <a:xfrm>
-            <a:off x="912813" y="5757966"/>
-            <a:ext cx="10363200" cy="719034"/>
-          </a:xfrm>
-        </p:spPr>
-        <p:txBody>
-          <a:bodyPr/>
-          <a:lstStyle/>
-          <a:p>
-            <a:r>
-              <a:rPr lang="en-US" dirty="0"/>
-              <a:t>Live Exercises in Class (Lab)</a:t>
-            </a:r>
-          </a:p>
-        </p:txBody>
-      </p:sp>
-      <p:pic>
-        <p:nvPicPr>
-          <p:cNvPr id="14" name="Picture 13"/>
-          <p:cNvPicPr>
-            <a:picLocks noChangeAspect="1"/>
-          </p:cNvPicPr>
-          <p:nvPr/>
-        </p:nvPicPr>
-        <p:blipFill>
-          <a:blip r:embed="rId2"/>
-          <a:stretch>
-            <a:fillRect/>
-          </a:stretch>
-        </p:blipFill>
-        <p:spPr>
-          <a:xfrm>
-            <a:off x="3987588" y="838200"/>
-            <a:ext cx="3524026" cy="3637568"/>
-          </a:xfrm>
-          <a:prstGeom prst="rect">
-            <a:avLst/>
-          </a:prstGeom>
-        </p:spPr>
-      </p:pic>
-    </p:spTree>
-    <p:extLst>
-      <p:ext uri="{BB962C8B-B14F-4D97-AF65-F5344CB8AC3E}">
-        <p14:creationId xmlns:p14="http://schemas.microsoft.com/office/powerpoint/2010/main" val="2531233889"/>
-      </p:ext>
-    </p:extLst>
-  </p:cSld>
-  <p:clrMapOvr>
-    <a:masterClrMapping/>
-  </p:clrMapOvr>
-</p:sld>
-</file>
-
-<file path=ppt/slides/slide37.xml><?xml version="1.0" encoding="utf-8"?>
-<p:sld xmlns:a="http://schemas.openxmlformats.org/drawingml/2006/main" xmlns:r="http://schemas.openxmlformats.org/officeDocument/2006/relationships" xmlns:p="http://schemas.openxmlformats.org/presentationml/2006/main">
-  <p:cSld>
-    <p:spTree>
-      <p:nvGrpSpPr>
-        <p:cNvPr id="1" name=""/>
-        <p:cNvGrpSpPr/>
-        <p:nvPr/>
-      </p:nvGrpSpPr>
-      <p:grpSpPr>
-        <a:xfrm>
-          <a:off x="0" y="0"/>
-          <a:ext cx="0" cy="0"/>
-          <a:chOff x="0" y="0"/>
-          <a:chExt cx="0" cy="0"/>
-        </a:xfrm>
-      </p:grpSpPr>
-      <p:sp>
-        <p:nvSpPr>
           <p:cNvPr id="6" name="Slide Number Placeholder 5"/>
           <p:cNvSpPr>
             <a:spLocks noGrp="1"/>
@@ -38700,7 +37574,7 @@
             <a:fld id="{C014DD1E-5D91-48A3-AD6D-45FBA980D106}" type="slidenum">
               <a:rPr lang="en-US" smtClean="0"/>
               <a:pPr/>
-              <a:t>37</a:t>
+              <a:t>36</a:t>
             </a:fld>
             <a:endParaRPr lang="en-US" dirty="0"/>
           </a:p>
@@ -39520,564 +38394,6 @@
       </p:par>
     </p:tnLst>
   </p:timing>
-</p:sld>
-</file>
-
-<file path=ppt/slides/slide38.xml><?xml version="1.0" encoding="utf-8"?>
-<p:sld xmlns:a="http://schemas.openxmlformats.org/drawingml/2006/main" xmlns:r="http://schemas.openxmlformats.org/officeDocument/2006/relationships" xmlns:p="http://schemas.openxmlformats.org/presentationml/2006/main">
-  <p:cSld>
-    <p:spTree>
-      <p:nvGrpSpPr>
-        <p:cNvPr id="1" name=""/>
-        <p:cNvGrpSpPr/>
-        <p:nvPr/>
-      </p:nvGrpSpPr>
-      <p:grpSpPr>
-        <a:xfrm>
-          <a:off x="0" y="0"/>
-          <a:ext cx="0" cy="0"/>
-          <a:chOff x="0" y="0"/>
-          <a:chExt cx="0" cy="0"/>
-        </a:xfrm>
-      </p:grpSpPr>
-      <p:sp>
-        <p:nvSpPr>
-          <p:cNvPr id="3" name="Text Placeholder 2"/>
-          <p:cNvSpPr>
-            <a:spLocks noGrp="1"/>
-          </p:cNvSpPr>
-          <p:nvPr>
-            <p:ph type="body" sz="quarter" idx="10"/>
-          </p:nvPr>
-        </p:nvSpPr>
-        <p:spPr>
-          <a:xfrm>
-            <a:off x="1529384" y="6400802"/>
-            <a:ext cx="10482604" cy="351754"/>
-          </a:xfrm>
-        </p:spPr>
-        <p:txBody>
-          <a:bodyPr/>
-          <a:lstStyle/>
-          <a:p>
-            <a:r>
-              <a:rPr lang="en-US" dirty="0">
-                <a:hlinkClick r:id="rId3"/>
-              </a:rPr>
-              <a:t>https://softuni.bg/courses/javascript-advanced</a:t>
-            </a:r>
-            <a:endParaRPr lang="en-US" dirty="0"/>
-          </a:p>
-        </p:txBody>
-      </p:sp>
-      <p:sp>
-        <p:nvSpPr>
-          <p:cNvPr id="11" name="Title 10"/>
-          <p:cNvSpPr>
-            <a:spLocks noGrp="1"/>
-          </p:cNvSpPr>
-          <p:nvPr>
-            <p:ph type="title"/>
-          </p:nvPr>
-        </p:nvSpPr>
-        <p:spPr/>
-        <p:txBody>
-          <a:bodyPr>
-            <a:normAutofit/>
-          </a:bodyPr>
-          <a:lstStyle/>
-          <a:p>
-            <a:r>
-              <a:rPr lang="en-US" dirty="0"/>
-              <a:t>Object Composition</a:t>
-            </a:r>
-          </a:p>
-        </p:txBody>
-      </p:sp>
-      <p:pic>
-        <p:nvPicPr>
-          <p:cNvPr id="14" name="Picture 13">
-            <a:hlinkClick r:id="rId4"/>
-          </p:cNvPr>
-          <p:cNvPicPr>
-            <a:picLocks noChangeAspect="1"/>
-          </p:cNvPicPr>
-          <p:nvPr/>
-        </p:nvPicPr>
-        <p:blipFill>
-          <a:blip r:embed="rId5"/>
-          <a:stretch>
-            <a:fillRect/>
-          </a:stretch>
-        </p:blipFill>
-        <p:spPr>
-          <a:xfrm>
-            <a:off x="9980612" y="2709376"/>
-            <a:ext cx="1726158" cy="932887"/>
-          </a:xfrm>
-          <a:prstGeom prst="roundRect">
-            <a:avLst>
-              <a:gd name="adj" fmla="val 2953"/>
-            </a:avLst>
-          </a:prstGeom>
-        </p:spPr>
-      </p:pic>
-      <p:pic>
-        <p:nvPicPr>
-          <p:cNvPr id="15" name="Picture 14">
-            <a:hlinkClick r:id="rId6"/>
-          </p:cNvPr>
-          <p:cNvPicPr>
-            <a:picLocks noChangeAspect="1"/>
-          </p:cNvPicPr>
-          <p:nvPr/>
-        </p:nvPicPr>
-        <p:blipFill>
-          <a:blip r:embed="rId7"/>
-          <a:stretch>
-            <a:fillRect/>
-          </a:stretch>
-        </p:blipFill>
-        <p:spPr>
-          <a:xfrm>
-            <a:off x="3115840" y="1255208"/>
-            <a:ext cx="1752140" cy="804013"/>
-          </a:xfrm>
-          <a:prstGeom prst="roundRect">
-            <a:avLst>
-              <a:gd name="adj" fmla="val 3159"/>
-            </a:avLst>
-          </a:prstGeom>
-        </p:spPr>
-      </p:pic>
-      <p:pic>
-        <p:nvPicPr>
-          <p:cNvPr id="17" name="Picture 16">
-            <a:hlinkClick r:id="rId8"/>
-          </p:cNvPr>
-          <p:cNvPicPr>
-            <a:picLocks noChangeAspect="1"/>
-          </p:cNvPicPr>
-          <p:nvPr/>
-        </p:nvPicPr>
-        <p:blipFill>
-          <a:blip r:embed="rId9"/>
-          <a:stretch>
-            <a:fillRect/>
-          </a:stretch>
-        </p:blipFill>
-        <p:spPr>
-          <a:xfrm>
-            <a:off x="5468146" y="1255208"/>
-            <a:ext cx="2040956" cy="804013"/>
-          </a:xfrm>
-          <a:prstGeom prst="roundRect">
-            <a:avLst>
-              <a:gd name="adj" fmla="val 3159"/>
-            </a:avLst>
-          </a:prstGeom>
-        </p:spPr>
-      </p:pic>
-      <p:pic>
-        <p:nvPicPr>
-          <p:cNvPr id="19" name="Picture 18">
-            <a:hlinkClick r:id="rId10"/>
-          </p:cNvPr>
-          <p:cNvPicPr>
-            <a:picLocks noChangeAspect="1"/>
-          </p:cNvPicPr>
-          <p:nvPr/>
-        </p:nvPicPr>
-        <p:blipFill>
-          <a:blip r:embed="rId11"/>
-          <a:stretch>
-            <a:fillRect/>
-          </a:stretch>
-        </p:blipFill>
-        <p:spPr>
-          <a:xfrm>
-            <a:off x="512764" y="1255208"/>
-            <a:ext cx="2093874" cy="804013"/>
-          </a:xfrm>
-          <a:prstGeom prst="roundRect">
-            <a:avLst>
-              <a:gd name="adj" fmla="val 3159"/>
-            </a:avLst>
-          </a:prstGeom>
-        </p:spPr>
-      </p:pic>
-      <p:pic>
-        <p:nvPicPr>
-          <p:cNvPr id="20" name="Picture 19">
-            <a:hlinkClick r:id="rId12"/>
-          </p:cNvPr>
-          <p:cNvPicPr>
-            <a:picLocks noChangeAspect="1"/>
-          </p:cNvPicPr>
-          <p:nvPr/>
-        </p:nvPicPr>
-        <p:blipFill>
-          <a:blip r:embed="rId13"/>
-          <a:stretch>
-            <a:fillRect/>
-          </a:stretch>
-        </p:blipFill>
-        <p:spPr>
-          <a:xfrm>
-            <a:off x="512764" y="5373443"/>
-            <a:ext cx="3352800" cy="849557"/>
-          </a:xfrm>
-          <a:prstGeom prst="roundRect">
-            <a:avLst>
-              <a:gd name="adj" fmla="val 3159"/>
-            </a:avLst>
-          </a:prstGeom>
-        </p:spPr>
-      </p:pic>
-      <p:pic>
-        <p:nvPicPr>
-          <p:cNvPr id="22" name="Picture 21">
-            <a:hlinkClick r:id="rId14"/>
-          </p:cNvPr>
-          <p:cNvPicPr>
-            <a:picLocks noChangeAspect="1"/>
-          </p:cNvPicPr>
-          <p:nvPr/>
-        </p:nvPicPr>
-        <p:blipFill>
-          <a:blip r:embed="rId15"/>
-          <a:stretch>
-            <a:fillRect/>
-          </a:stretch>
-        </p:blipFill>
-        <p:spPr>
-          <a:xfrm>
-            <a:off x="4358563" y="5373443"/>
-            <a:ext cx="2753589" cy="849556"/>
-          </a:xfrm>
-          <a:prstGeom prst="roundRect">
-            <a:avLst>
-              <a:gd name="adj" fmla="val 2953"/>
-            </a:avLst>
-          </a:prstGeom>
-        </p:spPr>
-      </p:pic>
-      <p:pic>
-        <p:nvPicPr>
-          <p:cNvPr id="23" name="Picture 22">
-            <a:hlinkClick r:id="rId16"/>
-          </p:cNvPr>
-          <p:cNvPicPr>
-            <a:picLocks noChangeAspect="1"/>
-          </p:cNvPicPr>
-          <p:nvPr/>
-        </p:nvPicPr>
-        <p:blipFill>
-          <a:blip r:embed="rId17"/>
-          <a:stretch>
-            <a:fillRect/>
-          </a:stretch>
-        </p:blipFill>
-        <p:spPr>
-          <a:xfrm>
-            <a:off x="7633728" y="5373443"/>
-            <a:ext cx="4073042" cy="849556"/>
-          </a:xfrm>
-          <a:prstGeom prst="roundRect">
-            <a:avLst>
-              <a:gd name="adj" fmla="val 3159"/>
-            </a:avLst>
-          </a:prstGeom>
-        </p:spPr>
-      </p:pic>
-      <p:pic>
-        <p:nvPicPr>
-          <p:cNvPr id="24" name="Picture 23">
-            <a:hlinkClick r:id="rId18"/>
-          </p:cNvPr>
-          <p:cNvPicPr>
-            <a:picLocks noChangeAspect="1"/>
-          </p:cNvPicPr>
-          <p:nvPr/>
-        </p:nvPicPr>
-        <p:blipFill>
-          <a:blip r:embed="rId19"/>
-          <a:stretch>
-            <a:fillRect/>
-          </a:stretch>
-        </p:blipFill>
-        <p:spPr>
-          <a:xfrm>
-            <a:off x="8075612" y="1276030"/>
-            <a:ext cx="3631158" cy="783191"/>
-          </a:xfrm>
-          <a:prstGeom prst="roundRect">
-            <a:avLst>
-              <a:gd name="adj" fmla="val 3159"/>
-            </a:avLst>
-          </a:prstGeom>
-        </p:spPr>
-      </p:pic>
-      <p:pic>
-        <p:nvPicPr>
-          <p:cNvPr id="25" name="Picture 24">
-            <a:hlinkClick r:id="rId20"/>
-          </p:cNvPr>
-          <p:cNvPicPr>
-            <a:picLocks noChangeAspect="1"/>
-          </p:cNvPicPr>
-          <p:nvPr/>
-        </p:nvPicPr>
-        <p:blipFill>
-          <a:blip r:embed="rId21"/>
-          <a:stretch>
-            <a:fillRect/>
-          </a:stretch>
-        </p:blipFill>
-        <p:spPr>
-          <a:xfrm>
-            <a:off x="5713413" y="4251041"/>
-            <a:ext cx="5993358" cy="550371"/>
-          </a:xfrm>
-          <a:prstGeom prst="roundRect">
-            <a:avLst>
-              <a:gd name="adj" fmla="val 3159"/>
-            </a:avLst>
-          </a:prstGeom>
-        </p:spPr>
-      </p:pic>
-      <p:pic>
-        <p:nvPicPr>
-          <p:cNvPr id="4" name="Picture 3">
-            <a:hlinkClick r:id="rId22"/>
-          </p:cNvPr>
-          <p:cNvPicPr>
-            <a:picLocks noChangeAspect="1"/>
-          </p:cNvPicPr>
-          <p:nvPr/>
-        </p:nvPicPr>
-        <p:blipFill>
-          <a:blip r:embed="rId23"/>
-          <a:stretch>
-            <a:fillRect/>
-          </a:stretch>
-        </p:blipFill>
-        <p:spPr>
-          <a:xfrm>
-            <a:off x="3115840" y="2392344"/>
-            <a:ext cx="1922519" cy="854925"/>
-          </a:xfrm>
-          <a:prstGeom prst="roundRect">
-            <a:avLst>
-              <a:gd name="adj" fmla="val 3159"/>
-            </a:avLst>
-          </a:prstGeom>
-        </p:spPr>
-      </p:pic>
-    </p:spTree>
-    <p:extLst>
-      <p:ext uri="{BB962C8B-B14F-4D97-AF65-F5344CB8AC3E}">
-        <p14:creationId xmlns:p14="http://schemas.microsoft.com/office/powerpoint/2010/main" val="3868293676"/>
-      </p:ext>
-    </p:extLst>
-  </p:cSld>
-  <p:clrMapOvr>
-    <a:masterClrMapping/>
-  </p:clrMapOvr>
-</p:sld>
-</file>
-
-<file path=ppt/slides/slide39.xml><?xml version="1.0" encoding="utf-8"?>
-<p:sld xmlns:a="http://schemas.openxmlformats.org/drawingml/2006/main" xmlns:r="http://schemas.openxmlformats.org/officeDocument/2006/relationships" xmlns:p="http://schemas.openxmlformats.org/presentationml/2006/main">
-  <p:cSld>
-    <p:spTree>
-      <p:nvGrpSpPr>
-        <p:cNvPr id="1" name=""/>
-        <p:cNvGrpSpPr/>
-        <p:nvPr/>
-      </p:nvGrpSpPr>
-      <p:grpSpPr>
-        <a:xfrm>
-          <a:off x="0" y="0"/>
-          <a:ext cx="0" cy="0"/>
-          <a:chOff x="0" y="0"/>
-          <a:chExt cx="0" cy="0"/>
-        </a:xfrm>
-      </p:grpSpPr>
-      <p:sp>
-        <p:nvSpPr>
-          <p:cNvPr id="2" name="Title 1"/>
-          <p:cNvSpPr>
-            <a:spLocks noGrp="1"/>
-          </p:cNvSpPr>
-          <p:nvPr>
-            <p:ph type="title"/>
-          </p:nvPr>
-        </p:nvSpPr>
-        <p:spPr/>
-        <p:txBody>
-          <a:bodyPr>
-            <a:normAutofit/>
-          </a:bodyPr>
-          <a:lstStyle/>
-          <a:p>
-            <a:r>
-              <a:rPr lang="en-US" dirty="0"/>
-              <a:t>License</a:t>
-            </a:r>
-          </a:p>
-        </p:txBody>
-      </p:sp>
-      <p:sp>
-        <p:nvSpPr>
-          <p:cNvPr id="3" name="Content Placeholder 2"/>
-          <p:cNvSpPr>
-            <a:spLocks noGrp="1"/>
-          </p:cNvSpPr>
-          <p:nvPr>
-            <p:ph idx="4294967295"/>
-          </p:nvPr>
-        </p:nvSpPr>
-        <p:spPr>
-          <a:xfrm>
-            <a:off x="190413" y="1151121"/>
-            <a:ext cx="11804822" cy="5570355"/>
-          </a:xfrm>
-        </p:spPr>
-        <p:txBody>
-          <a:bodyPr>
-            <a:normAutofit/>
-          </a:bodyPr>
-          <a:lstStyle/>
-          <a:p>
-            <a:r>
-              <a:rPr lang="en-US" dirty="0"/>
-              <a:t>This course (slides, examples, demos, videos, homework, etc.)</a:t>
-            </a:r>
-            <a:br>
-              <a:rPr lang="en-US" dirty="0"/>
-            </a:br>
-            <a:r>
-              <a:rPr lang="en-US" dirty="0"/>
-              <a:t>is licensed under the "</a:t>
-            </a:r>
-            <a:r>
-              <a:rPr lang="en-US" dirty="0">
-                <a:hlinkClick r:id="rId3"/>
-              </a:rPr>
-              <a:t>Creative Commons </a:t>
-            </a:r>
-            <a:r>
-              <a:rPr lang="en-US" noProof="1">
-                <a:hlinkClick r:id="rId3"/>
-              </a:rPr>
-              <a:t>Attribution-NonCommercial-ShareAlike</a:t>
-            </a:r>
-            <a:r>
-              <a:rPr lang="en-US" dirty="0">
-                <a:hlinkClick r:id="rId3"/>
-              </a:rPr>
-              <a:t> 4.0 International</a:t>
-            </a:r>
-            <a:r>
-              <a:rPr lang="en-US" dirty="0"/>
-              <a:t>" license</a:t>
-            </a:r>
-            <a:endParaRPr lang="bg-BG" dirty="0"/>
-          </a:p>
-        </p:txBody>
-      </p:sp>
-      <p:sp>
-        <p:nvSpPr>
-          <p:cNvPr id="4" name="Slide Number Placeholder 3"/>
-          <p:cNvSpPr>
-            <a:spLocks noGrp="1"/>
-          </p:cNvSpPr>
-          <p:nvPr>
-            <p:ph type="sldNum" sz="quarter" idx="4"/>
-          </p:nvPr>
-        </p:nvSpPr>
-        <p:spPr>
-          <a:xfrm>
-            <a:off x="11566412" y="6525002"/>
-            <a:ext cx="428822" cy="196477"/>
-          </a:xfrm>
-        </p:spPr>
-        <p:txBody>
-          <a:bodyPr/>
-          <a:lstStyle/>
-          <a:p>
-            <a:fld id="{C014DD1E-5D91-48A3-AD6D-45FBA980D106}" type="slidenum">
-              <a:rPr lang="en-US" smtClean="0"/>
-              <a:pPr/>
-              <a:t>39</a:t>
-            </a:fld>
-            <a:endParaRPr lang="en-US" dirty="0"/>
-          </a:p>
-        </p:txBody>
-      </p:sp>
-      <p:pic>
-        <p:nvPicPr>
-          <p:cNvPr id="8" name="Picture 4">
-            <a:hlinkClick r:id="rId3" tooltip="This work is licensed under the &quot;Creative Commons Attribution-NonCommercial-ShareAlike 4.0 International&quot; license"/>
-          </p:cNvPr>
-          <p:cNvPicPr>
-            <a:picLocks noChangeAspect="1" noChangeArrowheads="1"/>
-          </p:cNvPicPr>
-          <p:nvPr/>
-        </p:nvPicPr>
-        <p:blipFill>
-          <a:blip r:embed="rId4">
-            <a:extLst>
-              <a:ext uri="{28A0092B-C50C-407E-A947-70E740481C1C}">
-                <a14:useLocalDpi xmlns:a14="http://schemas.microsoft.com/office/drawing/2010/main"/>
-              </a:ext>
-            </a:extLst>
-          </a:blip>
-          <a:srcRect/>
-          <a:stretch>
-            <a:fillRect/>
-          </a:stretch>
-        </p:blipFill>
-        <p:spPr bwMode="auto">
-          <a:xfrm>
-            <a:off x="3322592" y="3700180"/>
-            <a:ext cx="5540866" cy="1938620"/>
-          </a:xfrm>
-          <a:prstGeom prst="roundRect">
-            <a:avLst>
-              <a:gd name="adj" fmla="val 4326"/>
-            </a:avLst>
-          </a:prstGeom>
-          <a:noFill/>
-          <a:ln>
-            <a:solidFill>
-              <a:schemeClr val="accent2">
-                <a:lumMod val="75000"/>
-              </a:schemeClr>
-            </a:solidFill>
-          </a:ln>
-          <a:extLst>
-            <a:ext uri="{909E8E84-426E-40DD-AFC4-6F175D3DCCD1}">
-              <a14:hiddenFill xmlns:a14="http://schemas.microsoft.com/office/drawing/2010/main">
-                <a:solidFill>
-                  <a:srgbClr val="FFFFFF"/>
-                </a:solidFill>
-              </a14:hiddenFill>
-            </a:ext>
-          </a:extLst>
-        </p:spPr>
-      </p:pic>
-    </p:spTree>
-    <p:extLst>
-      <p:ext uri="{BB962C8B-B14F-4D97-AF65-F5344CB8AC3E}">
-        <p14:creationId xmlns:p14="http://schemas.microsoft.com/office/powerpoint/2010/main" val="92647416"/>
-      </p:ext>
-    </p:extLst>
-  </p:cSld>
-  <p:clrMapOvr>
-    <a:masterClrMapping/>
-  </p:clrMapOvr>
 </p:sld>
 </file>
 
@@ -40970,463 +39286,6 @@
       </p:par>
     </p:tnLst>
   </p:timing>
-</p:sld>
-</file>
-
-<file path=ppt/slides/slide40.xml><?xml version="1.0" encoding="utf-8"?>
-<p:sld xmlns:a="http://schemas.openxmlformats.org/drawingml/2006/main" xmlns:r="http://schemas.openxmlformats.org/officeDocument/2006/relationships" xmlns:p="http://schemas.openxmlformats.org/presentationml/2006/main">
-  <p:cSld>
-    <p:spTree>
-      <p:nvGrpSpPr>
-        <p:cNvPr id="1" name=""/>
-        <p:cNvGrpSpPr/>
-        <p:nvPr/>
-      </p:nvGrpSpPr>
-      <p:grpSpPr>
-        <a:xfrm>
-          <a:off x="0" y="0"/>
-          <a:ext cx="0" cy="0"/>
-          <a:chOff x="0" y="0"/>
-          <a:chExt cx="0" cy="0"/>
-        </a:xfrm>
-      </p:grpSpPr>
-      <p:sp>
-        <p:nvSpPr>
-          <p:cNvPr id="3" name="Title 2"/>
-          <p:cNvSpPr>
-            <a:spLocks noGrp="1"/>
-          </p:cNvSpPr>
-          <p:nvPr>
-            <p:ph type="title" idx="4294967295"/>
-          </p:nvPr>
-        </p:nvSpPr>
-        <p:spPr>
-          <a:xfrm>
-            <a:off x="259899" y="103056"/>
-            <a:ext cx="9074150" cy="936625"/>
-          </a:xfrm>
-        </p:spPr>
-        <p:txBody>
-          <a:bodyPr>
-            <a:normAutofit/>
-          </a:bodyPr>
-          <a:lstStyle/>
-          <a:p>
-            <a:r>
-              <a:rPr lang="en-US" dirty="0"/>
-              <a:t>Free Trainings @ Software University</a:t>
-            </a:r>
-          </a:p>
-        </p:txBody>
-      </p:sp>
-      <p:sp>
-        <p:nvSpPr>
-          <p:cNvPr id="4" name="Content Placeholder 3"/>
-          <p:cNvSpPr>
-            <a:spLocks noGrp="1"/>
-          </p:cNvSpPr>
-          <p:nvPr>
-            <p:ph idx="4294967295"/>
-          </p:nvPr>
-        </p:nvSpPr>
-        <p:spPr>
-          <a:xfrm>
-            <a:off x="259899" y="1039681"/>
-            <a:ext cx="9434513" cy="5639378"/>
-          </a:xfrm>
-        </p:spPr>
-        <p:txBody>
-          <a:bodyPr>
-            <a:noAutofit/>
-          </a:bodyPr>
-          <a:lstStyle/>
-          <a:p>
-            <a:pPr>
-              <a:lnSpc>
-                <a:spcPct val="100000"/>
-              </a:lnSpc>
-            </a:pPr>
-            <a:r>
-              <a:rPr lang="en-US" sz="3200" dirty="0"/>
-              <a:t>Software University Foundation – </a:t>
-            </a:r>
-            <a:r>
-              <a:rPr lang="en-US" sz="3200" noProof="1">
-                <a:hlinkClick r:id="rId3"/>
-              </a:rPr>
-              <a:t>softuni.org</a:t>
-            </a:r>
-            <a:endParaRPr lang="en-US" sz="3200" noProof="1"/>
-          </a:p>
-          <a:p>
-            <a:pPr>
-              <a:lnSpc>
-                <a:spcPct val="100000"/>
-              </a:lnSpc>
-            </a:pPr>
-            <a:r>
-              <a:rPr lang="en-US" sz="3200" dirty="0"/>
-              <a:t>Software University – High-Quality Education, Profession and Job for Software Developers</a:t>
-            </a:r>
-          </a:p>
-          <a:p>
-            <a:pPr lvl="1">
-              <a:lnSpc>
-                <a:spcPct val="100000"/>
-              </a:lnSpc>
-            </a:pPr>
-            <a:r>
-              <a:rPr lang="en-US" sz="2900" noProof="1">
-                <a:hlinkClick r:id="rId4"/>
-              </a:rPr>
-              <a:t>softuni.bg</a:t>
-            </a:r>
-            <a:r>
-              <a:rPr lang="en-US" sz="2900" noProof="1"/>
-              <a:t> </a:t>
-            </a:r>
-          </a:p>
-          <a:p>
-            <a:pPr marL="304747" lvl="1" indent="-304747">
-              <a:lnSpc>
-                <a:spcPct val="100000"/>
-              </a:lnSpc>
-              <a:buClr>
-                <a:srgbClr val="F2B254"/>
-              </a:buClr>
-              <a:buSzPct val="100000"/>
-              <a:tabLst>
-                <a:tab pos="282575" algn="l"/>
-              </a:tabLst>
-            </a:pPr>
-            <a:r>
-              <a:rPr lang="en-US" dirty="0"/>
-              <a:t>Software University @ Facebook</a:t>
-            </a:r>
-          </a:p>
-          <a:p>
-            <a:pPr lvl="1">
-              <a:lnSpc>
-                <a:spcPct val="100000"/>
-              </a:lnSpc>
-              <a:tabLst>
-                <a:tab pos="282575" algn="l"/>
-              </a:tabLst>
-            </a:pPr>
-            <a:r>
-              <a:rPr lang="en-US" sz="2900" noProof="1">
-                <a:hlinkClick r:id="rId5"/>
-              </a:rPr>
-              <a:t>facebook.com/SoftwareUniversity</a:t>
-            </a:r>
-            <a:endParaRPr lang="en-US" sz="2900" noProof="1"/>
-          </a:p>
-          <a:p>
-            <a:pPr marL="304747" lvl="1" indent="-304747">
-              <a:lnSpc>
-                <a:spcPct val="100000"/>
-              </a:lnSpc>
-              <a:buClr>
-                <a:srgbClr val="F2B254"/>
-              </a:buClr>
-              <a:buSzPct val="100000"/>
-              <a:tabLst>
-                <a:tab pos="282575" algn="l"/>
-              </a:tabLst>
-            </a:pPr>
-            <a:r>
-              <a:rPr lang="en-US" dirty="0"/>
-              <a:t>Software University @ YouTube</a:t>
-            </a:r>
-          </a:p>
-          <a:p>
-            <a:pPr lvl="1">
-              <a:lnSpc>
-                <a:spcPct val="100000"/>
-              </a:lnSpc>
-              <a:tabLst>
-                <a:tab pos="282575" algn="l"/>
-              </a:tabLst>
-            </a:pPr>
-            <a:r>
-              <a:rPr lang="en-US" sz="2900" noProof="1">
-                <a:hlinkClick r:id="rId6"/>
-              </a:rPr>
-              <a:t>youtube.com/SoftwareUniversity</a:t>
-            </a:r>
-            <a:endParaRPr lang="en-US" sz="2900" noProof="1"/>
-          </a:p>
-          <a:p>
-            <a:pPr marL="304747" lvl="1" indent="-304747">
-              <a:lnSpc>
-                <a:spcPct val="100000"/>
-              </a:lnSpc>
-              <a:buClr>
-                <a:srgbClr val="F2B254"/>
-              </a:buClr>
-              <a:buSzPct val="100000"/>
-              <a:tabLst>
-                <a:tab pos="282575" algn="l"/>
-              </a:tabLst>
-            </a:pPr>
-            <a:r>
-              <a:rPr lang="en-US" noProof="1"/>
-              <a:t>Software University Forums – </a:t>
-            </a:r>
-            <a:r>
-              <a:rPr lang="en-US" dirty="0">
-                <a:hlinkClick r:id="rId7"/>
-              </a:rPr>
-              <a:t>forum.softuni.bg</a:t>
-            </a:r>
-            <a:endParaRPr lang="en-US" noProof="1"/>
-          </a:p>
-        </p:txBody>
-      </p:sp>
-      <p:pic>
-        <p:nvPicPr>
-          <p:cNvPr id="9" name="Picture 8" title="Software University">
-            <a:hlinkClick r:id="rId4"/>
-          </p:cNvPr>
-          <p:cNvPicPr>
-            <a:picLocks noChangeAspect="1"/>
-          </p:cNvPicPr>
-          <p:nvPr/>
-        </p:nvPicPr>
-        <p:blipFill rotWithShape="1">
-          <a:blip r:embed="rId8" cstate="print">
-            <a:extLst>
-              <a:ext uri="{28A0092B-C50C-407E-A947-70E740481C1C}">
-                <a14:useLocalDpi xmlns:a14="http://schemas.microsoft.com/office/drawing/2010/main"/>
-              </a:ext>
-            </a:extLst>
-          </a:blip>
-          <a:srcRect t="7214" b="7214"/>
-          <a:stretch/>
-        </p:blipFill>
-        <p:spPr>
-          <a:xfrm>
-            <a:off x="9659438" y="1594686"/>
-            <a:ext cx="1834974" cy="1570200"/>
-          </a:xfrm>
-          <a:prstGeom prst="rect">
-            <a:avLst/>
-          </a:prstGeom>
-          <a:ln w="12700">
-            <a:solidFill>
-              <a:srgbClr val="55438F">
-                <a:alpha val="70000"/>
-              </a:srgbClr>
-            </a:solidFill>
-          </a:ln>
-        </p:spPr>
-      </p:pic>
-      <p:pic>
-        <p:nvPicPr>
-          <p:cNvPr id="10" name="Picture 9" title="Software University Foundation">
-            <a:hlinkClick r:id="rId3" tooltip="Software University Foundation"/>
-          </p:cNvPr>
-          <p:cNvPicPr>
-            <a:picLocks noChangeAspect="1"/>
-          </p:cNvPicPr>
-          <p:nvPr/>
-        </p:nvPicPr>
-        <p:blipFill rotWithShape="1">
-          <a:blip r:embed="rId9" cstate="print">
-            <a:extLst>
-              <a:ext uri="{28A0092B-C50C-407E-A947-70E740481C1C}">
-                <a14:useLocalDpi xmlns:a14="http://schemas.microsoft.com/office/drawing/2010/main"/>
-              </a:ext>
-            </a:extLst>
-          </a:blip>
-          <a:srcRect l="-5359" t="-15226" r="-5359" b="-15226"/>
-          <a:stretch/>
-        </p:blipFill>
-        <p:spPr>
-          <a:xfrm>
-            <a:off x="9457098" y="466964"/>
-            <a:ext cx="2269870" cy="874916"/>
-          </a:xfrm>
-          <a:prstGeom prst="roundRect">
-            <a:avLst>
-              <a:gd name="adj" fmla="val 3940"/>
-            </a:avLst>
-          </a:prstGeom>
-          <a:solidFill>
-            <a:srgbClr val="231F20">
-              <a:alpha val="50000"/>
-            </a:srgbClr>
-          </a:solidFill>
-          <a:ln>
-            <a:solidFill>
-              <a:schemeClr val="accent1">
-                <a:lumMod val="75000"/>
-                <a:alpha val="40000"/>
-              </a:schemeClr>
-            </a:solidFill>
-          </a:ln>
-        </p:spPr>
-      </p:pic>
-      <p:pic>
-        <p:nvPicPr>
-          <p:cNvPr id="11" name="Picture 4" title="Software University @ Facebook">
-            <a:hlinkClick r:id="rId10"/>
-          </p:cNvPr>
-          <p:cNvPicPr>
-            <a:picLocks noChangeAspect="1" noChangeArrowheads="1"/>
-          </p:cNvPicPr>
-          <p:nvPr/>
-        </p:nvPicPr>
-        <p:blipFill rotWithShape="1">
-          <a:blip r:embed="rId11" cstate="print">
-            <a:extLst>
-              <a:ext uri="{28A0092B-C50C-407E-A947-70E740481C1C}">
-                <a14:useLocalDpi xmlns:a14="http://schemas.microsoft.com/office/drawing/2010/main"/>
-              </a:ext>
-            </a:extLst>
-          </a:blip>
-          <a:srcRect/>
-          <a:stretch/>
-        </p:blipFill>
-        <p:spPr bwMode="auto">
-          <a:xfrm>
-            <a:off x="10075536" y="3385124"/>
-            <a:ext cx="1003954" cy="1017562"/>
-          </a:xfrm>
-          <a:prstGeom prst="rect">
-            <a:avLst/>
-          </a:prstGeom>
-          <a:noFill/>
-          <a:extLst>
-            <a:ext uri="{909E8E84-426E-40DD-AFC4-6F175D3DCCD1}">
-              <a14:hiddenFill xmlns:a14="http://schemas.microsoft.com/office/drawing/2010/main">
-                <a:solidFill>
-                  <a:srgbClr val="FFFFFF"/>
-                </a:solidFill>
-              </a14:hiddenFill>
-            </a:ext>
-          </a:extLst>
-        </p:spPr>
-      </p:pic>
-      <p:pic>
-        <p:nvPicPr>
-          <p:cNvPr id="12" name="Picture 6" title="Software University Videos @ YouTube">
-            <a:hlinkClick r:id="rId6"/>
-          </p:cNvPr>
-          <p:cNvPicPr>
-            <a:picLocks noChangeAspect="1" noChangeArrowheads="1"/>
-          </p:cNvPicPr>
-          <p:nvPr/>
-        </p:nvPicPr>
-        <p:blipFill>
-          <a:blip r:embed="rId12">
-            <a:extLst>
-              <a:ext uri="{28A0092B-C50C-407E-A947-70E740481C1C}">
-                <a14:useLocalDpi xmlns:a14="http://schemas.microsoft.com/office/drawing/2010/main"/>
-              </a:ext>
-            </a:extLst>
-          </a:blip>
-          <a:srcRect/>
-          <a:stretch>
-            <a:fillRect/>
-          </a:stretch>
-        </p:blipFill>
-        <p:spPr bwMode="auto">
-          <a:xfrm>
-            <a:off x="9656544" y="4589658"/>
-            <a:ext cx="1837868" cy="675261"/>
-          </a:xfrm>
-          <a:prstGeom prst="rect">
-            <a:avLst/>
-          </a:prstGeom>
-          <a:ln w="25400">
-            <a:solidFill>
-              <a:schemeClr val="bg1">
-                <a:lumMod val="50000"/>
-                <a:lumOff val="50000"/>
-                <a:alpha val="25000"/>
-              </a:schemeClr>
-            </a:solidFill>
-          </a:ln>
-          <a:extLst>
-            <a:ext uri="{909E8E84-426E-40DD-AFC4-6F175D3DCCD1}">
-              <a14:hiddenFill xmlns:a14="http://schemas.microsoft.com/office/drawing/2010/main">
-                <a:solidFill>
-                  <a:srgbClr val="FFFFFF"/>
-                </a:solidFill>
-              </a14:hiddenFill>
-            </a:ext>
-          </a:extLst>
-        </p:spPr>
-      </p:pic>
-      <p:pic>
-        <p:nvPicPr>
-          <p:cNvPr id="13" name="Picture 12" title="Software University - Forum">
-            <a:hlinkClick r:id="rId7"/>
-          </p:cNvPr>
-          <p:cNvPicPr>
-            <a:picLocks noChangeAspect="1"/>
-          </p:cNvPicPr>
-          <p:nvPr/>
-        </p:nvPicPr>
-        <p:blipFill>
-          <a:blip r:embed="rId13" cstate="print">
-            <a:extLst>
-              <a:ext uri="{28A0092B-C50C-407E-A947-70E740481C1C}">
-                <a14:useLocalDpi xmlns:a14="http://schemas.microsoft.com/office/drawing/2010/main"/>
-              </a:ext>
-            </a:extLst>
-          </a:blip>
-          <a:stretch>
-            <a:fillRect/>
-          </a:stretch>
-        </p:blipFill>
-        <p:spPr>
-          <a:xfrm>
-            <a:off x="10109334" y="5540172"/>
-            <a:ext cx="970156" cy="965726"/>
-          </a:xfrm>
-          <a:prstGeom prst="rect">
-            <a:avLst/>
-          </a:prstGeom>
-        </p:spPr>
-      </p:pic>
-      <p:pic>
-        <p:nvPicPr>
-          <p:cNvPr id="14" name="Picture 13">
-            <a:hlinkClick r:id="rId4"/>
-          </p:cNvPr>
-          <p:cNvPicPr>
-            <a:picLocks noChangeAspect="1"/>
-          </p:cNvPicPr>
-          <p:nvPr/>
-        </p:nvPicPr>
-        <p:blipFill>
-          <a:blip r:embed="rId14"/>
-          <a:stretch>
-            <a:fillRect/>
-          </a:stretch>
-        </p:blipFill>
-        <p:spPr>
-          <a:xfrm>
-            <a:off x="6813548" y="3098209"/>
-            <a:ext cx="2286198" cy="2493480"/>
-          </a:xfrm>
-          <a:prstGeom prst="rect">
-            <a:avLst/>
-          </a:prstGeom>
-        </p:spPr>
-      </p:pic>
-    </p:spTree>
-    <p:extLst>
-      <p:ext uri="{BB962C8B-B14F-4D97-AF65-F5344CB8AC3E}">
-        <p14:creationId xmlns:p14="http://schemas.microsoft.com/office/powerpoint/2010/main" val="2931241662"/>
-      </p:ext>
-    </p:extLst>
-  </p:cSld>
-  <p:clrMapOvr>
-    <a:masterClrMapping/>
-  </p:clrMapOvr>
 </p:sld>
 </file>
 
